--- a/2022_0424_deephack_rh_slides.pptx
+++ b/2022_0424_deephack_rh_slides.pptx
@@ -5,9 +5,8 @@
     <p:sldMasterId id="2147483648" r:id="rId4"/>
   </p:sldMasterIdLst>
   <p:sldIdLst>
-    <p:sldId id="263" r:id="rId5"/>
-    <p:sldId id="265" r:id="rId6"/>
-    <p:sldId id="259" r:id="rId7"/>
+    <p:sldId id="265" r:id="rId5"/>
+    <p:sldId id="259" r:id="rId6"/>
   </p:sldIdLst>
   <p:sldSz cx="12192000" cy="6858000"/>
   <p:notesSz cx="6858000" cy="9144000"/>
@@ -1732,148 +1731,6 @@
       </p:pic>
       <p:pic>
         <p:nvPicPr>
-          <p:cNvPr id="3" name="Picture 2">
-            <a:extLst>
-              <a:ext uri="{FF2B5EF4-FFF2-40B4-BE49-F238E27FC236}">
-                <a16:creationId xmlns:a16="http://schemas.microsoft.com/office/drawing/2014/main" id="{3AE21785-9078-4BE0-D5CD-F6017BC596FB}"/>
-              </a:ext>
-            </a:extLst>
-          </p:cNvPr>
-          <p:cNvPicPr>
-            <a:picLocks noChangeAspect="1"/>
-          </p:cNvPicPr>
-          <p:nvPr/>
-        </p:nvPicPr>
-        <p:blipFill>
-          <a:blip r:embed="rId3"/>
-          <a:stretch>
-            <a:fillRect/>
-          </a:stretch>
-        </p:blipFill>
-        <p:spPr>
-          <a:xfrm>
-            <a:off x="1101373" y="3908023"/>
-            <a:ext cx="2319994" cy="2006795"/>
-          </a:xfrm>
-          <a:prstGeom prst="rect">
-            <a:avLst/>
-          </a:prstGeom>
-        </p:spPr>
-      </p:pic>
-      <p:sp>
-        <p:nvSpPr>
-          <p:cNvPr id="6" name="Content Placeholder 5">
-            <a:extLst>
-              <a:ext uri="{FF2B5EF4-FFF2-40B4-BE49-F238E27FC236}">
-                <a16:creationId xmlns:a16="http://schemas.microsoft.com/office/drawing/2014/main" id="{10759968-98CC-06B3-B07B-3FF7A9A4FFDF}"/>
-              </a:ext>
-            </a:extLst>
-          </p:cNvPr>
-          <p:cNvSpPr>
-            <a:spLocks noGrp="1"/>
-          </p:cNvSpPr>
-          <p:nvPr>
-            <p:ph idx="1"/>
-          </p:nvPr>
-        </p:nvSpPr>
-        <p:spPr/>
-        <p:txBody>
-          <a:bodyPr/>
-          <a:lstStyle/>
-          <a:p>
-            <a:endParaRPr lang="en-US"/>
-          </a:p>
-        </p:txBody>
-      </p:sp>
-    </p:spTree>
-    <p:extLst>
-      <p:ext uri="{BB962C8B-B14F-4D97-AF65-F5344CB8AC3E}">
-        <p14:creationId xmlns:p14="http://schemas.microsoft.com/office/powerpoint/2010/main" val="1502072132"/>
-      </p:ext>
-    </p:extLst>
-  </p:cSld>
-  <p:clrMapOvr>
-    <a:masterClrMapping/>
-  </p:clrMapOvr>
-</p:sld>
-</file>
-
-<file path=ppt/slides/slide2.xml><?xml version="1.0" encoding="utf-8"?>
-<p:sld xmlns:a="http://schemas.openxmlformats.org/drawingml/2006/main" xmlns:r="http://schemas.openxmlformats.org/officeDocument/2006/relationships" xmlns:p="http://schemas.openxmlformats.org/presentationml/2006/main">
-  <p:cSld>
-    <p:spTree>
-      <p:nvGrpSpPr>
-        <p:cNvPr id="1" name=""/>
-        <p:cNvGrpSpPr/>
-        <p:nvPr/>
-      </p:nvGrpSpPr>
-      <p:grpSpPr>
-        <a:xfrm>
-          <a:off x="0" y="0"/>
-          <a:ext cx="0" cy="0"/>
-          <a:chOff x="0" y="0"/>
-          <a:chExt cx="0" cy="0"/>
-        </a:xfrm>
-      </p:grpSpPr>
-      <p:sp>
-        <p:nvSpPr>
-          <p:cNvPr id="2" name="Titel 1">
-            <a:extLst>
-              <a:ext uri="{FF2B5EF4-FFF2-40B4-BE49-F238E27FC236}">
-                <a16:creationId xmlns:a16="http://schemas.microsoft.com/office/drawing/2014/main" id="{365D4005-CB1A-45C9-A4B0-490D09E6F9B3}"/>
-              </a:ext>
-            </a:extLst>
-          </p:cNvPr>
-          <p:cNvSpPr>
-            <a:spLocks noGrp="1"/>
-          </p:cNvSpPr>
-          <p:nvPr>
-            <p:ph type="title"/>
-          </p:nvPr>
-        </p:nvSpPr>
-        <p:spPr/>
-        <p:txBody>
-          <a:bodyPr/>
-          <a:lstStyle/>
-          <a:p>
-            <a:r>
-              <a:rPr lang="de-DE" dirty="0"/>
-              <a:t>Sky-observation</a:t>
-            </a:r>
-          </a:p>
-        </p:txBody>
-      </p:sp>
-      <p:pic>
-        <p:nvPicPr>
-          <p:cNvPr id="4" name="Grafik 4">
-            <a:extLst>
-              <a:ext uri="{FF2B5EF4-FFF2-40B4-BE49-F238E27FC236}">
-                <a16:creationId xmlns:a16="http://schemas.microsoft.com/office/drawing/2014/main" id="{D1AD3A9C-B7F8-D258-B52F-455799CE78EA}"/>
-              </a:ext>
-            </a:extLst>
-          </p:cNvPr>
-          <p:cNvPicPr>
-            <a:picLocks noChangeAspect="1"/>
-          </p:cNvPicPr>
-          <p:nvPr/>
-        </p:nvPicPr>
-        <p:blipFill rotWithShape="1">
-          <a:blip r:embed="rId2"/>
-          <a:srcRect r="7296" b="27799"/>
-          <a:stretch/>
-        </p:blipFill>
-        <p:spPr>
-          <a:xfrm>
-            <a:off x="334962" y="1023938"/>
-            <a:ext cx="4493712" cy="2624889"/>
-          </a:xfrm>
-          <a:prstGeom prst="rect">
-            <a:avLst/>
-          </a:prstGeom>
-        </p:spPr>
-      </p:pic>
-      <p:pic>
-        <p:nvPicPr>
           <p:cNvPr id="14" name="Content Placeholder 13" descr="A picture containing background pattern&#10;&#10;Description automatically generated">
             <a:extLst>
               <a:ext uri="{FF2B5EF4-FFF2-40B4-BE49-F238E27FC236}">
@@ -1950,7 +1807,7 @@
 </p:sld>
 </file>
 
-<file path=ppt/slides/slide3.xml><?xml version="1.0" encoding="utf-8"?>
+<file path=ppt/slides/slide2.xml><?xml version="1.0" encoding="utf-8"?>
 <p:sld xmlns:a="http://schemas.openxmlformats.org/drawingml/2006/main" xmlns:r="http://schemas.openxmlformats.org/officeDocument/2006/relationships" xmlns:p="http://schemas.openxmlformats.org/presentationml/2006/main">
   <p:cSld>
     <p:spTree>
@@ -2460,21 +2317,6 @@
 </file>
 
 <file path=customXml/item1.xml><?xml version="1.0" encoding="utf-8"?>
-<?mso-contentType ?>
-<FormTemplates xmlns="http://schemas.microsoft.com/sharepoint/v3/contenttype/forms">
-  <Display>DocumentLibraryForm</Display>
-  <Edit>DocumentLibraryForm</Edit>
-  <New>DocumentLibraryForm</New>
-</FormTemplates>
-</file>
-
-<file path=customXml/item2.xml><?xml version="1.0" encoding="utf-8"?>
-<p:properties xmlns:p="http://schemas.microsoft.com/office/2006/metadata/properties" xmlns:xsi="http://www.w3.org/2001/XMLSchema-instance" xmlns:pc="http://schemas.microsoft.com/office/infopath/2007/PartnerControls">
-  <documentManagement/>
-</p:properties>
-</file>
-
-<file path=customXml/item3.xml><?xml version="1.0" encoding="utf-8"?>
 <ct:contentTypeSchema xmlns:ct="http://schemas.microsoft.com/office/2006/metadata/contentType" xmlns:ma="http://schemas.microsoft.com/office/2006/metadata/properties/metaAttributes" ct:_="" ma:_="" ma:contentTypeName="Dokument" ma:contentTypeID="0x010100838B234ADB559842B352B04E99485843" ma:contentTypeVersion="11" ma:contentTypeDescription="Ein neues Dokument erstellen." ma:contentTypeScope="" ma:versionID="121dd2c609fde2464a4f843dc76429b5">
   <xsd:schema xmlns:xsd="http://www.w3.org/2001/XMLSchema" xmlns:xs="http://www.w3.org/2001/XMLSchema" xmlns:p="http://schemas.microsoft.com/office/2006/metadata/properties" xmlns:ns3="d16a91a8-14a0-4a6d-a632-203a0f6c212a" xmlns:ns4="16b10f9e-e207-4453-a656-3d43f4213d53" targetNamespace="http://schemas.microsoft.com/office/2006/metadata/properties" ma:root="true" ma:fieldsID="47717ceac9b295b421fbeb1bad14101e" ns3:_="" ns4:_="">
     <xsd:import namespace="d16a91a8-14a0-4a6d-a632-203a0f6c212a"/>
@@ -2683,10 +2525,36 @@
 </ct:contentTypeSchema>
 </file>
 
+<file path=customXml/item2.xml><?xml version="1.0" encoding="utf-8"?>
+<p:properties xmlns:p="http://schemas.microsoft.com/office/2006/metadata/properties" xmlns:xsi="http://www.w3.org/2001/XMLSchema-instance" xmlns:pc="http://schemas.microsoft.com/office/infopath/2007/PartnerControls">
+  <documentManagement/>
+</p:properties>
+</file>
+
+<file path=customXml/item3.xml><?xml version="1.0" encoding="utf-8"?>
+<?mso-contentType ?>
+<FormTemplates xmlns="http://schemas.microsoft.com/sharepoint/v3/contenttype/forms">
+  <Display>DocumentLibraryForm</Display>
+  <Edit>DocumentLibraryForm</Edit>
+  <New>DocumentLibraryForm</New>
+</FormTemplates>
+</file>
+
 <file path=customXml/itemProps1.xml><?xml version="1.0" encoding="utf-8"?>
-<ds:datastoreItem xmlns:ds="http://schemas.openxmlformats.org/officeDocument/2006/customXml" ds:itemID="{819D5A60-05DD-43A5-9CC8-965F11B177DA}">
+<ds:datastoreItem xmlns:ds="http://schemas.openxmlformats.org/officeDocument/2006/customXml" ds:itemID="{C3A1AE13-7E56-4B84-B041-FBF4CCC50BBE}">
   <ds:schemaRefs>
-    <ds:schemaRef ds:uri="http://schemas.microsoft.com/sharepoint/v3/contenttype/forms"/>
+    <ds:schemaRef ds:uri="http://schemas.microsoft.com/office/2006/metadata/contentType"/>
+    <ds:schemaRef ds:uri="http://schemas.microsoft.com/office/2006/metadata/properties/metaAttributes"/>
+    <ds:schemaRef ds:uri="http://www.w3.org/2001/XMLSchema"/>
+    <ds:schemaRef ds:uri="http://schemas.microsoft.com/office/2006/metadata/properties"/>
+    <ds:schemaRef ds:uri="d16a91a8-14a0-4a6d-a632-203a0f6c212a"/>
+    <ds:schemaRef ds:uri="16b10f9e-e207-4453-a656-3d43f4213d53"/>
+    <ds:schemaRef ds:uri="http://schemas.microsoft.com/office/2006/documentManagement/types"/>
+    <ds:schemaRef ds:uri="http://schemas.microsoft.com/office/infopath/2007/PartnerControls"/>
+    <ds:schemaRef ds:uri="http://schemas.openxmlformats.org/package/2006/metadata/core-properties"/>
+    <ds:schemaRef ds:uri="http://purl.org/dc/elements/1.1/"/>
+    <ds:schemaRef ds:uri="http://purl.org/dc/terms/"/>
+    <ds:schemaRef ds:uri="http://schemas.microsoft.com/internal/obd"/>
   </ds:schemaRefs>
 </ds:datastoreItem>
 </file>
@@ -2709,20 +2577,9 @@
 </file>
 
 <file path=customXml/itemProps3.xml><?xml version="1.0" encoding="utf-8"?>
-<ds:datastoreItem xmlns:ds="http://schemas.openxmlformats.org/officeDocument/2006/customXml" ds:itemID="{C3A1AE13-7E56-4B84-B041-FBF4CCC50BBE}">
+<ds:datastoreItem xmlns:ds="http://schemas.openxmlformats.org/officeDocument/2006/customXml" ds:itemID="{819D5A60-05DD-43A5-9CC8-965F11B177DA}">
   <ds:schemaRefs>
-    <ds:schemaRef ds:uri="http://schemas.microsoft.com/office/2006/metadata/contentType"/>
-    <ds:schemaRef ds:uri="http://schemas.microsoft.com/office/2006/metadata/properties/metaAttributes"/>
-    <ds:schemaRef ds:uri="http://www.w3.org/2001/XMLSchema"/>
-    <ds:schemaRef ds:uri="http://schemas.microsoft.com/office/2006/metadata/properties"/>
-    <ds:schemaRef ds:uri="d16a91a8-14a0-4a6d-a632-203a0f6c212a"/>
-    <ds:schemaRef ds:uri="16b10f9e-e207-4453-a656-3d43f4213d53"/>
-    <ds:schemaRef ds:uri="http://schemas.microsoft.com/office/2006/documentManagement/types"/>
-    <ds:schemaRef ds:uri="http://schemas.microsoft.com/office/infopath/2007/PartnerControls"/>
-    <ds:schemaRef ds:uri="http://schemas.openxmlformats.org/package/2006/metadata/core-properties"/>
-    <ds:schemaRef ds:uri="http://purl.org/dc/elements/1.1/"/>
-    <ds:schemaRef ds:uri="http://purl.org/dc/terms/"/>
-    <ds:schemaRef ds:uri="http://schemas.microsoft.com/internal/obd"/>
+    <ds:schemaRef ds:uri="http://schemas.microsoft.com/sharepoint/v3/contenttype/forms"/>
   </ds:schemaRefs>
 </ds:datastoreItem>
 </file>